--- a/Tue-Thr/DS-Day-02 R.pptx
+++ b/Tue-Thr/DS-Day-02 R.pptx
@@ -200,7 +200,7 @@
           <a:p>
             <a:fld id="{22783AA6-C1EF-448D-A48A-EF30DCBEFCCC}" type="datetimeFigureOut">
               <a:rPr lang="en-US" smtClean="0"/>
-              <a:t>9/24/2018</a:t>
+              <a:t>9/25/2018</a:t>
             </a:fld>
             <a:endParaRPr lang="en-US"/>
           </a:p>
@@ -1042,7 +1042,7 @@
           <a:p>
             <a:fld id="{C14F4D0B-68E4-4C14-BD4D-319F9BD213A3}" type="datetimeFigureOut">
               <a:rPr lang="ru-RU" smtClean="0"/>
-              <a:t>24.09.2018</a:t>
+              <a:t>25.09.2018</a:t>
             </a:fld>
             <a:endParaRPr lang="ru-RU"/>
           </a:p>
@@ -1212,7 +1212,7 @@
           <a:p>
             <a:fld id="{C14F4D0B-68E4-4C14-BD4D-319F9BD213A3}" type="datetimeFigureOut">
               <a:rPr lang="ru-RU" smtClean="0"/>
-              <a:t>24.09.2018</a:t>
+              <a:t>25.09.2018</a:t>
             </a:fld>
             <a:endParaRPr lang="ru-RU"/>
           </a:p>
@@ -1392,7 +1392,7 @@
           <a:p>
             <a:fld id="{C14F4D0B-68E4-4C14-BD4D-319F9BD213A3}" type="datetimeFigureOut">
               <a:rPr lang="ru-RU" smtClean="0"/>
-              <a:t>24.09.2018</a:t>
+              <a:t>25.09.2018</a:t>
             </a:fld>
             <a:endParaRPr lang="ru-RU"/>
           </a:p>
@@ -1562,7 +1562,7 @@
           <a:p>
             <a:fld id="{C14F4D0B-68E4-4C14-BD4D-319F9BD213A3}" type="datetimeFigureOut">
               <a:rPr lang="ru-RU" smtClean="0"/>
-              <a:t>24.09.2018</a:t>
+              <a:t>25.09.2018</a:t>
             </a:fld>
             <a:endParaRPr lang="ru-RU"/>
           </a:p>
@@ -1813,7 +1813,7 @@
           <a:p>
             <a:fld id="{C14F4D0B-68E4-4C14-BD4D-319F9BD213A3}" type="datetimeFigureOut">
               <a:rPr lang="ru-RU" smtClean="0"/>
-              <a:t>24.09.2018</a:t>
+              <a:t>25.09.2018</a:t>
             </a:fld>
             <a:endParaRPr lang="ru-RU"/>
           </a:p>
@@ -2045,7 +2045,7 @@
           <a:p>
             <a:fld id="{C14F4D0B-68E4-4C14-BD4D-319F9BD213A3}" type="datetimeFigureOut">
               <a:rPr lang="ru-RU" smtClean="0"/>
-              <a:t>24.09.2018</a:t>
+              <a:t>25.09.2018</a:t>
             </a:fld>
             <a:endParaRPr lang="ru-RU"/>
           </a:p>
@@ -2392,7 +2392,7 @@
           <a:p>
             <a:fld id="{C14F4D0B-68E4-4C14-BD4D-319F9BD213A3}" type="datetimeFigureOut">
               <a:rPr lang="ru-RU" smtClean="0"/>
-              <a:t>24.09.2018</a:t>
+              <a:t>25.09.2018</a:t>
             </a:fld>
             <a:endParaRPr lang="ru-RU"/>
           </a:p>
@@ -2510,7 +2510,7 @@
           <a:p>
             <a:fld id="{C14F4D0B-68E4-4C14-BD4D-319F9BD213A3}" type="datetimeFigureOut">
               <a:rPr lang="ru-RU" smtClean="0"/>
-              <a:t>24.09.2018</a:t>
+              <a:t>25.09.2018</a:t>
             </a:fld>
             <a:endParaRPr lang="ru-RU"/>
           </a:p>
@@ -2628,7 +2628,7 @@
           <a:p>
             <a:fld id="{C14F4D0B-68E4-4C14-BD4D-319F9BD213A3}" type="datetimeFigureOut">
               <a:rPr lang="ru-RU" smtClean="0"/>
-              <a:t>24.09.2018</a:t>
+              <a:t>25.09.2018</a:t>
             </a:fld>
             <a:endParaRPr lang="ru-RU"/>
           </a:p>
@@ -2912,7 +2912,7 @@
           <a:p>
             <a:fld id="{C14F4D0B-68E4-4C14-BD4D-319F9BD213A3}" type="datetimeFigureOut">
               <a:rPr lang="ru-RU" smtClean="0"/>
-              <a:t>24.09.2018</a:t>
+              <a:t>25.09.2018</a:t>
             </a:fld>
             <a:endParaRPr lang="ru-RU"/>
           </a:p>
@@ -3176,7 +3176,7 @@
           <a:p>
             <a:fld id="{C14F4D0B-68E4-4C14-BD4D-319F9BD213A3}" type="datetimeFigureOut">
               <a:rPr lang="ru-RU" smtClean="0"/>
-              <a:t>24.09.2018</a:t>
+              <a:t>25.09.2018</a:t>
             </a:fld>
             <a:endParaRPr lang="ru-RU"/>
           </a:p>
@@ -3390,7 +3390,7 @@
           <a:p>
             <a:fld id="{C14F4D0B-68E4-4C14-BD4D-319F9BD213A3}" type="datetimeFigureOut">
               <a:rPr lang="ru-RU" smtClean="0"/>
-              <a:t>24.09.2018</a:t>
+              <a:t>25.09.2018</a:t>
             </a:fld>
             <a:endParaRPr lang="ru-RU"/>
           </a:p>
@@ -4868,8 +4868,21 @@
             </a:pPr>
             <a:r>
               <a:rPr lang="ru-RU" sz="2000" dirty="0"/>
-              <a:t>1. Создать случайную матрицу размерностью 50 на 50.</a:t>
-            </a:r>
+              <a:t>1. Создать случайную матрицу размерностью </a:t>
+            </a:r>
+            <a:r>
+              <a:rPr lang="ru-RU" sz="2000" dirty="0" smtClean="0"/>
+              <a:t>5 </a:t>
+            </a:r>
+            <a:r>
+              <a:rPr lang="ru-RU" sz="2000" dirty="0"/>
+              <a:t>на </a:t>
+            </a:r>
+            <a:r>
+              <a:rPr lang="ru-RU" sz="2000" dirty="0" smtClean="0"/>
+              <a:t>5.</a:t>
+            </a:r>
+            <a:endParaRPr lang="ru-RU" sz="2000" dirty="0"/>
           </a:p>
           <a:p>
             <a:pPr marL="0" indent="0">
@@ -4923,12 +4936,8 @@
               <a:t> </a:t>
             </a:r>
             <a:r>
-              <a:rPr lang="en-US" sz="2000" smtClean="0"/>
-              <a:t>DataDay2.csv </a:t>
-            </a:r>
-            <a:r>
               <a:rPr lang="en-US" sz="2000" dirty="0" smtClean="0"/>
-              <a:t>(</a:t>
+              <a:t>DataDay2.csv (</a:t>
             </a:r>
             <a:r>
               <a:rPr lang="ru-RU" sz="2000" dirty="0" smtClean="0"/>
